--- a/presentación/Actualizaciones del proyecto y evaluación de avance.pptx
+++ b/presentación/Actualizaciones del proyecto y evaluación de avance.pptx
@@ -14,7 +14,12 @@
     <p:sldId id="264" r:id="rId8"/>
     <p:sldId id="265" r:id="rId9"/>
     <p:sldId id="266" r:id="rId10"/>
-    <p:sldId id="267" r:id="rId11"/>
+    <p:sldId id="269" r:id="rId11"/>
+    <p:sldId id="268" r:id="rId12"/>
+    <p:sldId id="270" r:id="rId13"/>
+    <p:sldId id="271" r:id="rId14"/>
+    <p:sldId id="272" r:id="rId15"/>
+    <p:sldId id="267" r:id="rId16"/>
   </p:sldIdLst>
   <p:sldSz cx="12192000" cy="6858000"/>
   <p:notesSz cx="6858000" cy="9144000"/>
@@ -113,6 +118,11 @@
       </a:defRPr>
     </a:lvl9pPr>
   </p:defaultTextStyle>
+  <p:extLst>
+    <p:ext uri="{EFAFB233-063F-42B5-8137-9DF3F51BA10A}">
+      <p15:sldGuideLst xmlns:p15="http://schemas.microsoft.com/office/powerpoint/2012/main"/>
+    </p:ext>
+  </p:extLst>
 </p:presentation>
 </file>
 
@@ -279,7 +289,7 @@
           <a:p>
             <a:fld id="{1160EA64-D806-43AC-9DF2-F8C432F32B4C}" type="datetimeFigureOut">
               <a:rPr lang="en-US" dirty="0"/>
-              <a:t>1/28/2021</a:t>
+              <a:t>2/4/2021</a:t>
             </a:fld>
             <a:endParaRPr lang="en-US" dirty="0"/>
           </a:p>
@@ -445,7 +455,7 @@
           <a:p>
             <a:fld id="{E9F9C37B-1D36-470B-8223-D6C91242EC14}" type="datetimeFigureOut">
               <a:rPr lang="en-US" dirty="0"/>
-              <a:t>1/28/2021</a:t>
+              <a:t>2/4/2021</a:t>
             </a:fld>
             <a:endParaRPr lang="en-US" dirty="0"/>
           </a:p>
@@ -620,7 +630,7 @@
           <a:p>
             <a:fld id="{67C6F52A-A82B-47A2-A83A-8C4C91F2D59F}" type="datetimeFigureOut">
               <a:rPr lang="en-US" dirty="0"/>
-              <a:t>1/28/2021</a:t>
+              <a:t>2/4/2021</a:t>
             </a:fld>
             <a:endParaRPr lang="en-US" dirty="0"/>
           </a:p>
@@ -785,7 +795,7 @@
           <a:p>
             <a:fld id="{F070A7B3-6521-4DCA-87E5-044747A908C1}" type="datetimeFigureOut">
               <a:rPr lang="en-US" dirty="0"/>
-              <a:t>1/28/2021</a:t>
+              <a:t>2/4/2021</a:t>
             </a:fld>
             <a:endParaRPr lang="en-US" dirty="0"/>
           </a:p>
@@ -1049,7 +1059,7 @@
           <a:p>
             <a:fld id="{1160EA64-D806-43AC-9DF2-F8C432F32B4C}" type="datetimeFigureOut">
               <a:rPr lang="en-US" dirty="0"/>
-              <a:t>1/28/2021</a:t>
+              <a:t>2/4/2021</a:t>
             </a:fld>
             <a:endParaRPr lang="en-US" dirty="0"/>
           </a:p>
@@ -1277,7 +1287,7 @@
           <a:p>
             <a:fld id="{AB134690-1557-4C89-A502-4959FE7FAD70}" type="datetimeFigureOut">
               <a:rPr lang="en-US" dirty="0"/>
-              <a:t>1/28/2021</a:t>
+              <a:t>2/4/2021</a:t>
             </a:fld>
             <a:endParaRPr lang="en-US" dirty="0"/>
           </a:p>
@@ -1627,7 +1637,7 @@
           <a:p>
             <a:fld id="{4F7D4976-E339-4826-83B7-FBD03F55ECF8}" type="datetimeFigureOut">
               <a:rPr lang="en-US" dirty="0"/>
-              <a:t>1/28/2021</a:t>
+              <a:t>2/4/2021</a:t>
             </a:fld>
             <a:endParaRPr lang="en-US" dirty="0"/>
           </a:p>
@@ -1763,7 +1773,7 @@
           <a:p>
             <a:fld id="{E1037C31-9E7A-4F99-8774-A0E530DE1A42}" type="datetimeFigureOut">
               <a:rPr lang="en-US" dirty="0"/>
-              <a:t>1/28/2021</a:t>
+              <a:t>2/4/2021</a:t>
             </a:fld>
             <a:endParaRPr lang="en-US" dirty="0"/>
           </a:p>
@@ -1853,7 +1863,7 @@
           <a:p>
             <a:fld id="{C278504F-A551-4DE0-9316-4DCD1D8CC752}" type="datetimeFigureOut">
               <a:rPr lang="en-US" dirty="0"/>
-              <a:t>1/28/2021</a:t>
+              <a:t>2/4/2021</a:t>
             </a:fld>
             <a:endParaRPr lang="en-US" dirty="0"/>
           </a:p>
@@ -2205,7 +2215,7 @@
           <a:p>
             <a:fld id="{1160EA64-D806-43AC-9DF2-F8C432F32B4C}" type="datetimeFigureOut">
               <a:rPr lang="en-US" dirty="0"/>
-              <a:t>1/28/2021</a:t>
+              <a:t>2/4/2021</a:t>
             </a:fld>
             <a:endParaRPr lang="en-US" dirty="0"/>
           </a:p>
@@ -2558,7 +2568,7 @@
             <a:fld id="{1160EA64-D806-43AC-9DF2-F8C432F32B4C}" type="datetimeFigureOut">
               <a:rPr lang="en-US" dirty="0"/>
               <a:pPr/>
-              <a:t>1/28/2021</a:t>
+              <a:t>2/4/2021</a:t>
             </a:fld>
             <a:endParaRPr lang="en-US" dirty="0"/>
           </a:p>
@@ -2794,7 +2804,7 @@
           <a:p>
             <a:fld id="{1160EA64-D806-43AC-9DF2-F8C432F32B4C}" type="datetimeFigureOut">
               <a:rPr lang="en-US" dirty="0"/>
-              <a:t>1/28/2021</a:t>
+              <a:t>2/4/2021</a:t>
             </a:fld>
             <a:endParaRPr lang="en-US" dirty="0"/>
           </a:p>
@@ -3717,7 +3727,7 @@
     <p:bg>
       <p:bgPr>
         <a:solidFill>
-          <a:schemeClr val="bg2"/>
+          <a:schemeClr val="bg1"/>
         </a:solidFill>
         <a:effectLst/>
       </p:bgPr>
@@ -3736,12 +3746,127 @@
           <a:chExt cx="0" cy="0"/>
         </a:xfrm>
       </p:grpSpPr>
-      <p:sp>
-        <p:nvSpPr>
-          <p:cNvPr id="7" name="Rectangle 6">
+      <p:pic>
+        <p:nvPicPr>
+          <p:cNvPr id="4" name="Picture 3" descr="Jaque mate en una partida de ajedrez">
             <a:extLst>
               <a:ext uri="{FF2B5EF4-FFF2-40B4-BE49-F238E27FC236}">
-                <a16:creationId xmlns:a16="http://schemas.microsoft.com/office/drawing/2014/main" id="{499ECD84-C10C-4D8E-BBDC-48976DFE9806}"/>
+                <a16:creationId xmlns:a16="http://schemas.microsoft.com/office/drawing/2014/main" id="{B6FF62AD-1F41-4F35-A5B7-D31D8DA5FC01}"/>
+              </a:ext>
+            </a:extLst>
+          </p:cNvPr>
+          <p:cNvPicPr>
+            <a:picLocks noChangeAspect="1"/>
+          </p:cNvPicPr>
+          <p:nvPr/>
+        </p:nvPicPr>
+        <p:blipFill rotWithShape="1">
+          <a:blip r:embed="rId2">
+            <a:alphaModFix amt="40000"/>
+          </a:blip>
+          <a:srcRect t="25743"/>
+          <a:stretch/>
+        </p:blipFill>
+        <p:spPr>
+          <a:xfrm>
+            <a:off x="20" y="10"/>
+            <a:ext cx="12191980" cy="6857990"/>
+          </a:xfrm>
+          <a:prstGeom prst="rect">
+            <a:avLst/>
+          </a:prstGeom>
+        </p:spPr>
+      </p:pic>
+      <p:sp>
+        <p:nvSpPr>
+          <p:cNvPr id="2" name="Título 1">
+            <a:extLst>
+              <a:ext uri="{FF2B5EF4-FFF2-40B4-BE49-F238E27FC236}">
+                <a16:creationId xmlns:a16="http://schemas.microsoft.com/office/drawing/2014/main" id="{AC38DB00-B349-449A-B610-CD52603F30E3}"/>
+              </a:ext>
+            </a:extLst>
+          </p:cNvPr>
+          <p:cNvSpPr>
+            <a:spLocks noGrp="1"/>
+          </p:cNvSpPr>
+          <p:nvPr>
+            <p:ph type="title"/>
+          </p:nvPr>
+        </p:nvSpPr>
+        <p:spPr>
+          <a:xfrm>
+            <a:off x="1600200" y="2386744"/>
+            <a:ext cx="8991600" cy="1645920"/>
+          </a:xfrm>
+          <a:noFill/>
+          <a:ln w="38100" cap="sq">
+            <a:solidFill>
+              <a:schemeClr val="tx1"/>
+            </a:solidFill>
+            <a:miter lim="800000"/>
+          </a:ln>
+        </p:spPr>
+        <p:txBody>
+          <a:bodyPr vert="horz" lIns="274320" tIns="182880" rIns="274320" bIns="182880" rtlCol="0" anchor="ctr" anchorCtr="1">
+            <a:normAutofit/>
+          </a:bodyPr>
+          <a:lstStyle/>
+          <a:p>
+            <a:r>
+              <a:rPr lang="en-US" sz="3800">
+                <a:solidFill>
+                  <a:schemeClr val="tx1"/>
+                </a:solidFill>
+              </a:rPr>
+              <a:t>FINAL</a:t>
+            </a:r>
+          </a:p>
+        </p:txBody>
+      </p:sp>
+    </p:spTree>
+    <p:extLst>
+      <p:ext uri="{BB962C8B-B14F-4D97-AF65-F5344CB8AC3E}">
+        <p14:creationId xmlns:p14="http://schemas.microsoft.com/office/powerpoint/2010/main" val="1916154566"/>
+      </p:ext>
+    </p:extLst>
+  </p:cSld>
+  <p:clrMapOvr>
+    <a:overrideClrMapping bg1="dk1" tx1="lt1" bg2="dk2" tx2="lt2" accent1="accent1" accent2="accent2" accent3="accent3" accent4="accent4" accent5="accent5" accent6="accent6" hlink="hlink" folHlink="folHlink"/>
+  </p:clrMapOvr>
+</p:sld>
+</file>
+
+<file path=ppt/slides/slide11.xml><?xml version="1.0" encoding="utf-8"?>
+<p:sld xmlns:a="http://schemas.openxmlformats.org/drawingml/2006/main" xmlns:r="http://schemas.openxmlformats.org/officeDocument/2006/relationships" xmlns:p="http://schemas.openxmlformats.org/presentationml/2006/main">
+  <p:cSld>
+    <p:bg>
+      <p:bgPr>
+        <a:solidFill>
+          <a:schemeClr val="accent2"/>
+        </a:solidFill>
+        <a:effectLst/>
+      </p:bgPr>
+    </p:bg>
+    <p:spTree>
+      <p:nvGrpSpPr>
+        <p:cNvPr id="1" name=""/>
+        <p:cNvGrpSpPr/>
+        <p:nvPr/>
+      </p:nvGrpSpPr>
+      <p:grpSpPr>
+        <a:xfrm>
+          <a:off x="0" y="0"/>
+          <a:ext cx="0" cy="0"/>
+          <a:chOff x="0" y="0"/>
+          <a:chExt cx="0" cy="0"/>
+        </a:xfrm>
+      </p:grpSpPr>
+      <p:sp>
+        <p:nvSpPr>
+          <p:cNvPr id="12" name="Rectangle 9">
+            <a:extLst>
+              <a:ext uri="{FF2B5EF4-FFF2-40B4-BE49-F238E27FC236}">
+                <a16:creationId xmlns:a16="http://schemas.microsoft.com/office/drawing/2014/main" id="{CEA480D0-1CDA-450E-B62A-17E6A8D1968D}"/>
               </a:ext>
               <a:ext uri="{C183D7F6-B498-43B3-948B-1728B52AA6E4}">
                 <adec:decorative xmlns:adec="http://schemas.microsoft.com/office/drawing/2017/decorative" val="1"/>
@@ -3761,18 +3886,17 @@
         </p:nvSpPr>
         <p:spPr>
           <a:xfrm>
-            <a:off x="636668" y="640080"/>
-            <a:ext cx="10915252" cy="5263134"/>
+            <a:off x="0" y="-2"/>
+            <a:ext cx="12192000" cy="4918511"/>
           </a:xfrm>
           <a:prstGeom prst="rect">
             <a:avLst/>
           </a:prstGeom>
-          <a:noFill/>
-          <a:ln w="31750" cap="sq">
-            <a:solidFill>
-              <a:schemeClr val="accent2"/>
-            </a:solidFill>
-            <a:miter lim="800000"/>
+          <a:solidFill>
+            <a:srgbClr val="FFFFFF"/>
+          </a:solidFill>
+          <a:ln>
+            <a:noFill/>
           </a:ln>
         </p:spPr>
         <p:style>
@@ -3796,16 +3920,441 @@
           <a:lstStyle/>
           <a:p>
             <a:pPr algn="ctr"/>
-            <a:endParaRPr lang="en-US" dirty="0"/>
-          </a:p>
-        </p:txBody>
-      </p:sp>
-      <p:sp>
-        <p:nvSpPr>
-          <p:cNvPr id="9" name="Rectangle 8">
+            <a:endParaRPr lang="en-US"/>
+          </a:p>
+        </p:txBody>
+      </p:sp>
+      <p:sp>
+        <p:nvSpPr>
+          <p:cNvPr id="2" name="Título 1">
             <a:extLst>
               <a:ext uri="{FF2B5EF4-FFF2-40B4-BE49-F238E27FC236}">
-                <a16:creationId xmlns:a16="http://schemas.microsoft.com/office/drawing/2014/main" id="{ABC89463-D318-4EC4-8DC8-2A360E19460A}"/>
+                <a16:creationId xmlns:a16="http://schemas.microsoft.com/office/drawing/2014/main" id="{B15CDA9E-8114-49B8-8AB0-99CA6F69EECC}"/>
+              </a:ext>
+            </a:extLst>
+          </p:cNvPr>
+          <p:cNvSpPr>
+            <a:spLocks noGrp="1"/>
+          </p:cNvSpPr>
+          <p:nvPr>
+            <p:ph type="title"/>
+          </p:nvPr>
+        </p:nvSpPr>
+        <p:spPr>
+          <a:xfrm>
+            <a:off x="1474075" y="5441043"/>
+            <a:ext cx="8991600" cy="1264762"/>
+          </a:xfrm>
+        </p:spPr>
+        <p:txBody>
+          <a:bodyPr vert="horz" lIns="274320" tIns="182880" rIns="274320" bIns="182880" rtlCol="0" anchor="ctr" anchorCtr="1">
+            <a:normAutofit/>
+          </a:bodyPr>
+          <a:lstStyle/>
+          <a:p>
+            <a:r>
+              <a:rPr lang="en-US" sz="3200">
+                <a:solidFill>
+                  <a:srgbClr val="262626"/>
+                </a:solidFill>
+              </a:rPr>
+              <a:t>Admin</a:t>
+            </a:r>
+          </a:p>
+        </p:txBody>
+      </p:sp>
+      <p:pic>
+        <p:nvPicPr>
+          <p:cNvPr id="5" name="Imagen 4">
+            <a:extLst>
+              <a:ext uri="{FF2B5EF4-FFF2-40B4-BE49-F238E27FC236}">
+                <a16:creationId xmlns:a16="http://schemas.microsoft.com/office/drawing/2014/main" id="{AA173ACF-D46D-4DF4-84AD-56E9DD4D675B}"/>
+              </a:ext>
+            </a:extLst>
+          </p:cNvPr>
+          <p:cNvPicPr>
+            <a:picLocks noChangeAspect="1"/>
+          </p:cNvPicPr>
+          <p:nvPr/>
+        </p:nvPicPr>
+        <p:blipFill>
+          <a:blip r:embed="rId2"/>
+          <a:stretch>
+            <a:fillRect/>
+          </a:stretch>
+        </p:blipFill>
+        <p:spPr>
+          <a:xfrm>
+            <a:off x="1349812" y="152195"/>
+            <a:ext cx="9240126" cy="5197571"/>
+          </a:xfrm>
+          <a:prstGeom prst="rect">
+            <a:avLst/>
+          </a:prstGeom>
+        </p:spPr>
+      </p:pic>
+    </p:spTree>
+    <p:extLst>
+      <p:ext uri="{BB962C8B-B14F-4D97-AF65-F5344CB8AC3E}">
+        <p14:creationId xmlns:p14="http://schemas.microsoft.com/office/powerpoint/2010/main" val="3605570536"/>
+      </p:ext>
+    </p:extLst>
+  </p:cSld>
+  <p:clrMapOvr>
+    <a:masterClrMapping/>
+  </p:clrMapOvr>
+</p:sld>
+</file>
+
+<file path=ppt/slides/slide12.xml><?xml version="1.0" encoding="utf-8"?>
+<p:sld xmlns:a="http://schemas.openxmlformats.org/drawingml/2006/main" xmlns:r="http://schemas.openxmlformats.org/officeDocument/2006/relationships" xmlns:p="http://schemas.openxmlformats.org/presentationml/2006/main">
+  <p:cSld>
+    <p:bg>
+      <p:bgPr>
+        <a:solidFill>
+          <a:schemeClr val="accent2"/>
+        </a:solidFill>
+        <a:effectLst/>
+      </p:bgPr>
+    </p:bg>
+    <p:spTree>
+      <p:nvGrpSpPr>
+        <p:cNvPr id="1" name=""/>
+        <p:cNvGrpSpPr/>
+        <p:nvPr/>
+      </p:nvGrpSpPr>
+      <p:grpSpPr>
+        <a:xfrm>
+          <a:off x="0" y="0"/>
+          <a:ext cx="0" cy="0"/>
+          <a:chOff x="0" y="0"/>
+          <a:chExt cx="0" cy="0"/>
+        </a:xfrm>
+      </p:grpSpPr>
+      <p:pic>
+        <p:nvPicPr>
+          <p:cNvPr id="5" name="Imagen 4">
+            <a:extLst>
+              <a:ext uri="{FF2B5EF4-FFF2-40B4-BE49-F238E27FC236}">
+                <a16:creationId xmlns:a16="http://schemas.microsoft.com/office/drawing/2014/main" id="{66DB4767-8E9B-459A-8B49-AE1F44D9CE12}"/>
+              </a:ext>
+            </a:extLst>
+          </p:cNvPr>
+          <p:cNvPicPr>
+            <a:picLocks noChangeAspect="1"/>
+          </p:cNvPicPr>
+          <p:nvPr/>
+        </p:nvPicPr>
+        <p:blipFill rotWithShape="1">
+          <a:blip r:embed="rId2"/>
+          <a:srcRect t="11247" b="33808"/>
+          <a:stretch/>
+        </p:blipFill>
+        <p:spPr>
+          <a:xfrm>
+            <a:off x="20" y="10"/>
+            <a:ext cx="12191980" cy="4571990"/>
+          </a:xfrm>
+          <a:prstGeom prst="rect">
+            <a:avLst/>
+          </a:prstGeom>
+        </p:spPr>
+      </p:pic>
+      <p:sp>
+        <p:nvSpPr>
+          <p:cNvPr id="2" name="Título 1">
+            <a:extLst>
+              <a:ext uri="{FF2B5EF4-FFF2-40B4-BE49-F238E27FC236}">
+                <a16:creationId xmlns:a16="http://schemas.microsoft.com/office/drawing/2014/main" id="{0416C3B5-304F-45B6-95F2-91F16460B305}"/>
+              </a:ext>
+            </a:extLst>
+          </p:cNvPr>
+          <p:cNvSpPr>
+            <a:spLocks noGrp="1"/>
+          </p:cNvSpPr>
+          <p:nvPr>
+            <p:ph type="title"/>
+          </p:nvPr>
+        </p:nvSpPr>
+        <p:spPr>
+          <a:xfrm>
+            <a:off x="1600200" y="4794053"/>
+            <a:ext cx="8991600" cy="1645759"/>
+          </a:xfrm>
+        </p:spPr>
+        <p:txBody>
+          <a:bodyPr vert="horz" lIns="274320" tIns="182880" rIns="274320" bIns="182880" rtlCol="0" anchor="ctr" anchorCtr="1">
+            <a:normAutofit/>
+          </a:bodyPr>
+          <a:lstStyle/>
+          <a:p>
+            <a:r>
+              <a:rPr lang="en-US" sz="3800">
+                <a:solidFill>
+                  <a:srgbClr val="262626"/>
+                </a:solidFill>
+              </a:rPr>
+              <a:t>Vista principal</a:t>
+            </a:r>
+          </a:p>
+        </p:txBody>
+      </p:sp>
+    </p:spTree>
+    <p:extLst>
+      <p:ext uri="{BB962C8B-B14F-4D97-AF65-F5344CB8AC3E}">
+        <p14:creationId xmlns:p14="http://schemas.microsoft.com/office/powerpoint/2010/main" val="2976565591"/>
+      </p:ext>
+    </p:extLst>
+  </p:cSld>
+  <p:clrMapOvr>
+    <a:masterClrMapping/>
+  </p:clrMapOvr>
+</p:sld>
+</file>
+
+<file path=ppt/slides/slide13.xml><?xml version="1.0" encoding="utf-8"?>
+<p:sld xmlns:a="http://schemas.openxmlformats.org/drawingml/2006/main" xmlns:r="http://schemas.openxmlformats.org/officeDocument/2006/relationships" xmlns:p="http://schemas.openxmlformats.org/presentationml/2006/main">
+  <p:cSld>
+    <p:bg>
+      <p:bgPr>
+        <a:solidFill>
+          <a:schemeClr val="accent2"/>
+        </a:solidFill>
+        <a:effectLst/>
+      </p:bgPr>
+    </p:bg>
+    <p:spTree>
+      <p:nvGrpSpPr>
+        <p:cNvPr id="1" name=""/>
+        <p:cNvGrpSpPr/>
+        <p:nvPr/>
+      </p:nvGrpSpPr>
+      <p:grpSpPr>
+        <a:xfrm>
+          <a:off x="0" y="0"/>
+          <a:ext cx="0" cy="0"/>
+          <a:chOff x="0" y="0"/>
+          <a:chExt cx="0" cy="0"/>
+        </a:xfrm>
+      </p:grpSpPr>
+      <p:pic>
+        <p:nvPicPr>
+          <p:cNvPr id="5" name="Imagen 4">
+            <a:extLst>
+              <a:ext uri="{FF2B5EF4-FFF2-40B4-BE49-F238E27FC236}">
+                <a16:creationId xmlns:a16="http://schemas.microsoft.com/office/drawing/2014/main" id="{EFA1B410-8F2D-49E1-B591-0843E3E23842}"/>
+              </a:ext>
+            </a:extLst>
+          </p:cNvPr>
+          <p:cNvPicPr>
+            <a:picLocks noChangeAspect="1"/>
+          </p:cNvPicPr>
+          <p:nvPr/>
+        </p:nvPicPr>
+        <p:blipFill rotWithShape="1">
+          <a:blip r:embed="rId2"/>
+          <a:srcRect t="421" b="52260"/>
+          <a:stretch/>
+        </p:blipFill>
+        <p:spPr>
+          <a:xfrm>
+            <a:off x="20" y="10"/>
+            <a:ext cx="12191980" cy="4571990"/>
+          </a:xfrm>
+          <a:prstGeom prst="rect">
+            <a:avLst/>
+          </a:prstGeom>
+        </p:spPr>
+      </p:pic>
+      <p:sp>
+        <p:nvSpPr>
+          <p:cNvPr id="2" name="Título 1">
+            <a:extLst>
+              <a:ext uri="{FF2B5EF4-FFF2-40B4-BE49-F238E27FC236}">
+                <a16:creationId xmlns:a16="http://schemas.microsoft.com/office/drawing/2014/main" id="{0B18239A-A499-4969-BB8F-73A3863B8834}"/>
+              </a:ext>
+            </a:extLst>
+          </p:cNvPr>
+          <p:cNvSpPr>
+            <a:spLocks noGrp="1"/>
+          </p:cNvSpPr>
+          <p:nvPr>
+            <p:ph type="title"/>
+          </p:nvPr>
+        </p:nvSpPr>
+        <p:spPr>
+          <a:xfrm>
+            <a:off x="1432035" y="4941197"/>
+            <a:ext cx="8991600" cy="1645759"/>
+          </a:xfrm>
+        </p:spPr>
+        <p:txBody>
+          <a:bodyPr vert="horz" lIns="274320" tIns="182880" rIns="274320" bIns="182880" rtlCol="0" anchor="ctr" anchorCtr="1">
+            <a:normAutofit/>
+          </a:bodyPr>
+          <a:lstStyle/>
+          <a:p>
+            <a:r>
+              <a:rPr lang="en-US" sz="3800">
+                <a:solidFill>
+                  <a:srgbClr val="262626"/>
+                </a:solidFill>
+              </a:rPr>
+              <a:t>Respondemos el cuestionario</a:t>
+            </a:r>
+          </a:p>
+        </p:txBody>
+      </p:sp>
+    </p:spTree>
+    <p:extLst>
+      <p:ext uri="{BB962C8B-B14F-4D97-AF65-F5344CB8AC3E}">
+        <p14:creationId xmlns:p14="http://schemas.microsoft.com/office/powerpoint/2010/main" val="1021397987"/>
+      </p:ext>
+    </p:extLst>
+  </p:cSld>
+  <p:clrMapOvr>
+    <a:masterClrMapping/>
+  </p:clrMapOvr>
+</p:sld>
+</file>
+
+<file path=ppt/slides/slide14.xml><?xml version="1.0" encoding="utf-8"?>
+<p:sld xmlns:a="http://schemas.openxmlformats.org/drawingml/2006/main" xmlns:r="http://schemas.openxmlformats.org/officeDocument/2006/relationships" xmlns:p="http://schemas.openxmlformats.org/presentationml/2006/main">
+  <p:cSld>
+    <p:bg>
+      <p:bgPr>
+        <a:solidFill>
+          <a:schemeClr val="accent2"/>
+        </a:solidFill>
+        <a:effectLst/>
+      </p:bgPr>
+    </p:bg>
+    <p:spTree>
+      <p:nvGrpSpPr>
+        <p:cNvPr id="1" name=""/>
+        <p:cNvGrpSpPr/>
+        <p:nvPr/>
+      </p:nvGrpSpPr>
+      <p:grpSpPr>
+        <a:xfrm>
+          <a:off x="0" y="0"/>
+          <a:ext cx="0" cy="0"/>
+          <a:chOff x="0" y="0"/>
+          <a:chExt cx="0" cy="0"/>
+        </a:xfrm>
+      </p:grpSpPr>
+      <p:sp>
+        <p:nvSpPr>
+          <p:cNvPr id="2" name="Título 1">
+            <a:extLst>
+              <a:ext uri="{FF2B5EF4-FFF2-40B4-BE49-F238E27FC236}">
+                <a16:creationId xmlns:a16="http://schemas.microsoft.com/office/drawing/2014/main" id="{72448073-9276-444F-9B83-462016A75AA8}"/>
+              </a:ext>
+            </a:extLst>
+          </p:cNvPr>
+          <p:cNvSpPr>
+            <a:spLocks noGrp="1"/>
+          </p:cNvSpPr>
+          <p:nvPr>
+            <p:ph type="title"/>
+          </p:nvPr>
+        </p:nvSpPr>
+        <p:spPr>
+          <a:xfrm>
+            <a:off x="804672" y="2386744"/>
+            <a:ext cx="4486656" cy="1645920"/>
+          </a:xfrm>
+        </p:spPr>
+        <p:txBody>
+          <a:bodyPr vert="horz" lIns="274320" tIns="182880" rIns="274320" bIns="182880" rtlCol="0" anchor="ctr" anchorCtr="1">
+            <a:normAutofit/>
+          </a:bodyPr>
+          <a:lstStyle/>
+          <a:p>
+            <a:r>
+              <a:rPr lang="en-US" sz="3200">
+                <a:solidFill>
+                  <a:srgbClr val="262626"/>
+                </a:solidFill>
+              </a:rPr>
+              <a:t>Pantalla final</a:t>
+            </a:r>
+          </a:p>
+        </p:txBody>
+      </p:sp>
+      <p:pic>
+        <p:nvPicPr>
+          <p:cNvPr id="5" name="Imagen 4">
+            <a:extLst>
+              <a:ext uri="{FF2B5EF4-FFF2-40B4-BE49-F238E27FC236}">
+                <a16:creationId xmlns:a16="http://schemas.microsoft.com/office/drawing/2014/main" id="{F3E9ECAC-EB2C-4DE9-9BC4-154D56437A8A}"/>
+              </a:ext>
+            </a:extLst>
+          </p:cNvPr>
+          <p:cNvPicPr>
+            <a:picLocks noChangeAspect="1"/>
+          </p:cNvPicPr>
+          <p:nvPr/>
+        </p:nvPicPr>
+        <p:blipFill rotWithShape="1">
+          <a:blip r:embed="rId2"/>
+          <a:srcRect b="5781"/>
+          <a:stretch/>
+        </p:blipFill>
+        <p:spPr>
+          <a:xfrm>
+            <a:off x="6096000" y="10"/>
+            <a:ext cx="6095999" cy="6857990"/>
+          </a:xfrm>
+          <a:prstGeom prst="rect">
+            <a:avLst/>
+          </a:prstGeom>
+        </p:spPr>
+      </p:pic>
+    </p:spTree>
+    <p:extLst>
+      <p:ext uri="{BB962C8B-B14F-4D97-AF65-F5344CB8AC3E}">
+        <p14:creationId xmlns:p14="http://schemas.microsoft.com/office/powerpoint/2010/main" val="4157901025"/>
+      </p:ext>
+    </p:extLst>
+  </p:cSld>
+  <p:clrMapOvr>
+    <a:masterClrMapping/>
+  </p:clrMapOvr>
+</p:sld>
+</file>
+
+<file path=ppt/slides/slide15.xml><?xml version="1.0" encoding="utf-8"?>
+<p:sld xmlns:a="http://schemas.openxmlformats.org/drawingml/2006/main" xmlns:r="http://schemas.openxmlformats.org/officeDocument/2006/relationships" xmlns:p="http://schemas.openxmlformats.org/presentationml/2006/main">
+  <p:cSld>
+    <p:bg>
+      <p:bgPr>
+        <a:solidFill>
+          <a:schemeClr val="accent2"/>
+        </a:solidFill>
+        <a:effectLst/>
+      </p:bgPr>
+    </p:bg>
+    <p:spTree>
+      <p:nvGrpSpPr>
+        <p:cNvPr id="1" name=""/>
+        <p:cNvGrpSpPr/>
+        <p:nvPr/>
+      </p:nvGrpSpPr>
+      <p:grpSpPr>
+        <a:xfrm>
+          <a:off x="0" y="0"/>
+          <a:ext cx="0" cy="0"/>
+          <a:chOff x="0" y="0"/>
+          <a:chExt cx="0" cy="0"/>
+        </a:xfrm>
+      </p:grpSpPr>
+      <p:sp>
+        <p:nvSpPr>
+          <p:cNvPr id="16" name="Rectangle 15">
+            <a:extLst>
+              <a:ext uri="{FF2B5EF4-FFF2-40B4-BE49-F238E27FC236}">
+                <a16:creationId xmlns:a16="http://schemas.microsoft.com/office/drawing/2014/main" id="{CEA480D0-1CDA-450E-B62A-17E6A8D1968D}"/>
               </a:ext>
               <a:ext uri="{C183D7F6-B498-43B3-948B-1728B52AA6E4}">
                 <adec:decorative xmlns:adec="http://schemas.microsoft.com/office/drawing/2017/decorative" val="1"/>
@@ -3825,14 +4374,14 @@
         </p:nvSpPr>
         <p:spPr>
           <a:xfrm>
-            <a:off x="801520" y="802767"/>
-            <a:ext cx="10585166" cy="4937760"/>
+            <a:off x="0" y="-2"/>
+            <a:ext cx="12192000" cy="4918511"/>
           </a:xfrm>
           <a:prstGeom prst="rect">
             <a:avLst/>
           </a:prstGeom>
           <a:solidFill>
-            <a:schemeClr val="accent2"/>
+            <a:srgbClr val="FFFFFF"/>
           </a:solidFill>
           <a:ln>
             <a:noFill/>
@@ -3881,24 +4430,20 @@
         </p:nvSpPr>
         <p:spPr>
           <a:xfrm>
-            <a:off x="1120624" y="1122807"/>
-            <a:ext cx="9954443" cy="4297680"/>
-          </a:xfrm>
-          <a:noFill/>
-          <a:ln>
-            <a:noFill/>
-          </a:ln>
-        </p:spPr>
-        <p:txBody>
-          <a:bodyPr vert="horz" lIns="182880" tIns="182880" rIns="182880" bIns="182880" rtlCol="0" anchor="ctr">
+            <a:off x="1600200" y="4269282"/>
+            <a:ext cx="8991600" cy="1264762"/>
+          </a:xfrm>
+        </p:spPr>
+        <p:txBody>
+          <a:bodyPr vert="horz" lIns="274320" tIns="182880" rIns="274320" bIns="182880" rtlCol="0" anchor="ctr" anchorCtr="1">
             <a:normAutofit/>
           </a:bodyPr>
           <a:lstStyle/>
           <a:p>
             <a:r>
-              <a:rPr lang="en-US" sz="6000">
+              <a:rPr lang="en-US" sz="3200" dirty="0">
                 <a:solidFill>
-                  <a:srgbClr val="FFFFFF"/>
+                  <a:srgbClr val="262626"/>
                 </a:solidFill>
               </a:rPr>
               <a:t>GRACIAS</a:t>
@@ -3906,6 +4451,45 @@
           </a:p>
         </p:txBody>
       </p:sp>
+      <p:pic>
+        <p:nvPicPr>
+          <p:cNvPr id="13" name="Graphic 12" descr="Apretón de manos">
+            <a:extLst>
+              <a:ext uri="{FF2B5EF4-FFF2-40B4-BE49-F238E27FC236}">
+                <a16:creationId xmlns:a16="http://schemas.microsoft.com/office/drawing/2014/main" id="{7FDBD2DA-615F-4599-8561-B754243AE2E7}"/>
+              </a:ext>
+            </a:extLst>
+          </p:cNvPr>
+          <p:cNvPicPr>
+            <a:picLocks noChangeAspect="1"/>
+          </p:cNvPicPr>
+          <p:nvPr/>
+        </p:nvPicPr>
+        <p:blipFill>
+          <a:blip r:embed="rId2">
+            <a:extLst>
+              <a:ext uri="{28A0092B-C50C-407E-A947-70E740481C1C}">
+                <a14:useLocalDpi xmlns:a14="http://schemas.microsoft.com/office/drawing/2010/main" val="0"/>
+              </a:ext>
+              <a:ext uri="{96DAC541-7B7A-43D3-8B79-37D633B846F1}">
+                <asvg:svgBlip xmlns:asvg="http://schemas.microsoft.com/office/drawing/2016/SVG/main" r:embed="rId3"/>
+              </a:ext>
+            </a:extLst>
+          </a:blip>
+          <a:stretch>
+            <a:fillRect/>
+          </a:stretch>
+        </p:blipFill>
+        <p:spPr>
+          <a:xfrm>
+            <a:off x="4445346" y="640078"/>
+            <a:ext cx="3301307" cy="3301307"/>
+          </a:xfrm>
+          <a:prstGeom prst="rect">
+            <a:avLst/>
+          </a:prstGeom>
+        </p:spPr>
+      </p:pic>
     </p:spTree>
     <p:extLst>
       <p:ext uri="{BB962C8B-B14F-4D97-AF65-F5344CB8AC3E}">
